--- a/Lecture 1/Autograd.pptx
+++ b/Lecture 1/Autograd.pptx
@@ -22027,13 +22027,16 @@
       <p:cxnSp>
         <p:nvCxnSpPr>
           <p:cNvPr id="4" name="Straight Arrow Connector 3"/>
-          <p:cNvCxnSpPr/>
+          <p:cNvCxnSpPr>
+            <a:stCxn id="32" idx="0"/>
+            <a:endCxn id="5" idx="1"/>
+          </p:cNvCxnSpPr>
           <p:nvPr/>
         </p:nvCxnSpPr>
         <p:spPr>
           <a:xfrm flipV="1">
-            <a:off x="7384415" y="1997710"/>
-            <a:ext cx="1945005" cy="3594735"/>
+            <a:off x="5553075" y="2140585"/>
+            <a:ext cx="3973830" cy="3456940"/>
           </a:xfrm>
           <a:prstGeom prst="straightConnector1">
             <a:avLst/>
@@ -22068,8 +22071,8 @@
         </p:nvSpPr>
         <p:spPr>
           <a:xfrm>
-            <a:off x="5578475" y="5592445"/>
-            <a:ext cx="3550920" cy="431165"/>
+            <a:off x="3238500" y="5597525"/>
+            <a:ext cx="4628515" cy="431165"/>
           </a:xfrm>
           <a:prstGeom prst="ellipse">
             <a:avLst/>
@@ -22113,7 +22116,7 @@
         </p:nvSpPr>
         <p:spPr>
           <a:xfrm>
-            <a:off x="9462135" y="1447165"/>
+            <a:off x="9526905" y="1679575"/>
             <a:ext cx="2473960" cy="922020"/>
           </a:xfrm>
           <a:prstGeom prst="rect">
@@ -22151,8 +22154,8 @@
         </p:nvSpPr>
         <p:spPr>
           <a:xfrm>
-            <a:off x="1219200" y="5902960"/>
-            <a:ext cx="2821940" cy="345440"/>
+            <a:off x="8169275" y="5621020"/>
+            <a:ext cx="2416810" cy="345440"/>
           </a:xfrm>
           <a:prstGeom prst="ellipse">
             <a:avLst/>
@@ -22193,14 +22196,14 @@
           <p:cNvPr id="8" name="Straight Arrow Connector 7"/>
           <p:cNvCxnSpPr>
             <a:stCxn id="7" idx="0"/>
-            <a:endCxn id="9" idx="1"/>
+            <a:endCxn id="9" idx="2"/>
           </p:cNvCxnSpPr>
           <p:nvPr/>
         </p:nvCxnSpPr>
         <p:spPr>
           <a:xfrm flipV="1">
-            <a:off x="2630170" y="3566160"/>
-            <a:ext cx="6764020" cy="2336800"/>
+            <a:off x="9377680" y="4849495"/>
+            <a:ext cx="32385" cy="771525"/>
           </a:xfrm>
           <a:prstGeom prst="straightConnector1">
             <a:avLst/>
@@ -22235,7 +22238,7 @@
         </p:nvSpPr>
         <p:spPr>
           <a:xfrm>
-            <a:off x="9394190" y="2827655"/>
+            <a:off x="8173085" y="3373120"/>
             <a:ext cx="2473960" cy="1476375"/>
           </a:xfrm>
           <a:prstGeom prst="rect">

--- a/Lecture 1/Autograd.pptx
+++ b/Lecture 1/Autograd.pptx
@@ -3736,6 +3736,7 @@
   <p:clrMapOvr>
     <a:masterClrMapping/>
   </p:clrMapOvr>
+  <p:transition advTm="2024"/>
 </p:sld>
 </file>
 
@@ -5686,6 +5687,7 @@
   <p:clrMapOvr>
     <a:masterClrMapping/>
   </p:clrMapOvr>
+  <p:transition advTm="3000"/>
 </p:sld>
 </file>
 
@@ -7780,6 +7782,7 @@
   <p:clrMapOvr>
     <a:masterClrMapping/>
   </p:clrMapOvr>
+  <p:transition advTm="3000"/>
 </p:sld>
 </file>
 
@@ -8380,6 +8383,7 @@
   <p:clrMapOvr>
     <a:masterClrMapping/>
   </p:clrMapOvr>
+  <p:transition advTm="3000"/>
 </p:sld>
 </file>
 
@@ -9077,6 +9081,7 @@
   <p:clrMapOvr>
     <a:masterClrMapping/>
   </p:clrMapOvr>
+  <p:transition advTm="3000"/>
 </p:sld>
 </file>
 
@@ -10658,6 +10663,7 @@
   <p:clrMapOvr>
     <a:masterClrMapping/>
   </p:clrMapOvr>
+  <p:transition advTm="3000"/>
 </p:sld>
 </file>
 
@@ -12788,6 +12794,7 @@
   <p:clrMapOvr>
     <a:masterClrMapping/>
   </p:clrMapOvr>
+  <p:transition advTm="3000"/>
   <p:timing>
     <p:tnLst>
       <p:par>
@@ -15075,6 +15082,7 @@
   <p:clrMapOvr>
     <a:masterClrMapping/>
   </p:clrMapOvr>
+  <p:transition advTm="3000"/>
   <p:timing>
     <p:tnLst>
       <p:par>
@@ -16696,6 +16704,7 @@
   <p:clrMapOvr>
     <a:masterClrMapping/>
   </p:clrMapOvr>
+  <p:transition advTm="3000"/>
 </p:sld>
 </file>
 
@@ -17966,6 +17975,7 @@
   <p:clrMapOvr>
     <a:masterClrMapping/>
   </p:clrMapOvr>
+  <p:transition advTm="3000"/>
   <p:timing>
     <p:tnLst>
       <p:par>
@@ -20092,6 +20102,7 @@
   <p:clrMapOvr>
     <a:masterClrMapping/>
   </p:clrMapOvr>
+  <p:transition advTm="3000"/>
 </p:sld>
 </file>
 
@@ -20953,6 +20964,7 @@
   <p:clrMapOvr>
     <a:masterClrMapping/>
   </p:clrMapOvr>
+  <p:transition advTm="1069"/>
 </p:sld>
 </file>
 
@@ -22282,6 +22294,7 @@
   <p:clrMapOvr>
     <a:masterClrMapping/>
   </p:clrMapOvr>
+  <p:transition advTm="3000"/>
   <p:timing>
     <p:tnLst>
       <p:par>
@@ -24020,6 +24033,7 @@
   <p:clrMapOvr>
     <a:masterClrMapping/>
   </p:clrMapOvr>
+  <p:transition advTm="3000"/>
 </p:sld>
 </file>
 
@@ -25329,6 +25343,7 @@
   <p:clrMapOvr>
     <a:masterClrMapping/>
   </p:clrMapOvr>
+  <p:transition advTm="3000"/>
   <p:timing>
     <p:tnLst>
       <p:par>
@@ -26663,6 +26678,7 @@
   <p:clrMapOvr>
     <a:masterClrMapping/>
   </p:clrMapOvr>
+  <p:transition advTm="3000"/>
 </p:sld>
 </file>
 
@@ -28408,6 +28424,7 @@
   <p:clrMapOvr>
     <a:masterClrMapping/>
   </p:clrMapOvr>
+  <p:transition advTm="3000"/>
 </p:sld>
 </file>
 
@@ -30508,6 +30525,7 @@
   <p:clrMapOvr>
     <a:masterClrMapping/>
   </p:clrMapOvr>
+  <p:transition advTm="3000"/>
 </p:sld>
 </file>
 
@@ -32543,6 +32561,7 @@
   <p:clrMapOvr>
     <a:masterClrMapping/>
   </p:clrMapOvr>
+  <p:transition advTm="3000"/>
 </p:sld>
 </file>
 
@@ -33886,6 +33905,7 @@
   <p:clrMapOvr>
     <a:masterClrMapping/>
   </p:clrMapOvr>
+  <p:transition advTm="3000"/>
 </p:sld>
 </file>
 
@@ -34558,6 +34578,7 @@
   <p:clrMapOvr>
     <a:masterClrMapping/>
   </p:clrMapOvr>
+  <p:transition advTm="3000"/>
 </p:sld>
 </file>
 
@@ -34997,6 +35018,7 @@
   <p:clrMapOvr>
     <a:masterClrMapping/>
   </p:clrMapOvr>
+  <p:transition advTm="3000"/>
 </p:sld>
 </file>
 
@@ -35752,6 +35774,7 @@
   <p:clrMapOvr>
     <a:masterClrMapping/>
   </p:clrMapOvr>
+  <p:transition advTm="88984"/>
 </p:sld>
 </file>
 
@@ -37231,6 +37254,7 @@
   <p:clrMapOvr>
     <a:masterClrMapping/>
   </p:clrMapOvr>
+  <p:transition advTm="3000"/>
 </p:sld>
 </file>
 
@@ -38057,6 +38081,7 @@
   <p:clrMapOvr>
     <a:masterClrMapping/>
   </p:clrMapOvr>
+  <p:transition advTm="3000"/>
 </p:sld>
 </file>
 
@@ -38341,6 +38366,7 @@
   <p:clrMapOvr>
     <a:masterClrMapping/>
   </p:clrMapOvr>
+  <p:transition advTm="3000"/>
 </p:sld>
 </file>
 
@@ -39284,6 +39310,7 @@
   <p:clrMapOvr>
     <a:masterClrMapping/>
   </p:clrMapOvr>
+  <p:transition advTm="3000"/>
 </p:sld>
 </file>
 
@@ -40312,6 +40339,7 @@
   <p:clrMapOvr>
     <a:masterClrMapping/>
   </p:clrMapOvr>
+  <p:transition advTm="3000"/>
 </p:sld>
 </file>
 
@@ -41768,6 +41796,7 @@
   <p:clrMapOvr>
     <a:masterClrMapping/>
   </p:clrMapOvr>
+  <p:transition advTm="3000"/>
 </p:sld>
 </file>
 
@@ -42119,6 +42148,7 @@
   <p:clrMapOvr>
     <a:masterClrMapping/>
   </p:clrMapOvr>
+  <p:transition advTm="3000"/>
 </p:sld>
 </file>
 
@@ -44287,6 +44317,7 @@
   <p:clrMapOvr>
     <a:masterClrMapping/>
   </p:clrMapOvr>
+  <p:transition advTm="3000"/>
   <p:timing>
     <p:tnLst>
       <p:par>
